--- a/Project/Project Update.pptx
+++ b/Project/Project Update.pptx
@@ -5,13 +5,12 @@
     <p:sldMasterId id="2147483696" r:id="rId1"/>
   </p:sldMasterIdLst>
   <p:notesMasterIdLst>
-    <p:notesMasterId r:id="rId6"/>
+    <p:notesMasterId r:id="rId5"/>
   </p:notesMasterIdLst>
   <p:sldIdLst>
     <p:sldId id="256" r:id="rId2"/>
     <p:sldId id="257" r:id="rId3"/>
-    <p:sldId id="258" r:id="rId4"/>
-    <p:sldId id="259" r:id="rId5"/>
+    <p:sldId id="259" r:id="rId4"/>
   </p:sldIdLst>
   <p:sldSz cx="12192000" cy="6858000"/>
   <p:notesSz cx="6858000" cy="9144000"/>
@@ -701,7 +700,7 @@
           <a:p>
             <a:fld id="{B4037872-D299-43BD-9978-F90DA2E5F5DA}" type="slidenum">
               <a:rPr lang="en-US" smtClean="0"/>
-              <a:t>4</a:t>
+              <a:t>3</a:t>
             </a:fld>
             <a:endParaRPr lang="en-US"/>
           </a:p>
@@ -5070,6 +5069,9 @@
   <p:clrMapOvr>
     <a:masterClrMapping/>
   </p:clrMapOvr>
+  <p:transition spd="slow">
+    <p:randomBar dir="vert"/>
+  </p:transition>
 </p:sldLayout>
 </file>
 
@@ -5327,6 +5329,9 @@
   <p:clrMapOvr>
     <a:masterClrMapping/>
   </p:clrMapOvr>
+  <p:transition spd="slow">
+    <p:randomBar dir="vert"/>
+  </p:transition>
 </p:sldLayout>
 </file>
 
@@ -5523,6 +5528,9 @@
   <p:clrMapOvr>
     <a:masterClrMapping/>
   </p:clrMapOvr>
+  <p:transition spd="slow">
+    <p:randomBar dir="vert"/>
+  </p:transition>
 </p:sldLayout>
 </file>
 
@@ -6024,6 +6032,9 @@
   <p:clrMapOvr>
     <a:masterClrMapping/>
   </p:clrMapOvr>
+  <p:transition spd="slow">
+    <p:randomBar dir="vert"/>
+  </p:transition>
 </p:sldLayout>
 </file>
 
@@ -6220,6 +6231,9 @@
   <p:clrMapOvr>
     <a:masterClrMapping/>
   </p:clrMapOvr>
+  <p:transition spd="slow">
+    <p:randomBar dir="vert"/>
+  </p:transition>
 </p:sldLayout>
 </file>
 
@@ -6766,6 +6780,9 @@
   <p:clrMapOvr>
     <a:masterClrMapping/>
   </p:clrMapOvr>
+  <p:transition spd="slow">
+    <p:randomBar dir="vert"/>
+  </p:transition>
 </p:sldLayout>
 </file>
 
@@ -7486,6 +7503,9 @@
   <p:clrMapOvr>
     <a:masterClrMapping/>
   </p:clrMapOvr>
+  <p:transition spd="slow">
+    <p:randomBar dir="vert"/>
+  </p:transition>
 </p:sldLayout>
 </file>
 
@@ -7656,6 +7676,9 @@
   <p:clrMapOvr>
     <a:masterClrMapping/>
   </p:clrMapOvr>
+  <p:transition spd="slow">
+    <p:randomBar dir="vert"/>
+  </p:transition>
 </p:sldLayout>
 </file>
 
@@ -7836,6 +7859,9 @@
   <p:clrMapOvr>
     <a:masterClrMapping/>
   </p:clrMapOvr>
+  <p:transition spd="slow">
+    <p:randomBar dir="vert"/>
+  </p:transition>
 </p:sldLayout>
 </file>
 
@@ -8006,6 +8032,9 @@
   <p:clrMapOvr>
     <a:masterClrMapping/>
   </p:clrMapOvr>
+  <p:transition spd="slow">
+    <p:randomBar dir="vert"/>
+  </p:transition>
 </p:sldLayout>
 </file>
 
@@ -8256,6 +8285,9 @@
   <p:clrMapOvr>
     <a:masterClrMapping/>
   </p:clrMapOvr>
+  <p:transition spd="slow">
+    <p:randomBar dir="vert"/>
+  </p:transition>
 </p:sldLayout>
 </file>
 
@@ -8488,6 +8520,9 @@
   <p:clrMapOvr>
     <a:masterClrMapping/>
   </p:clrMapOvr>
+  <p:transition spd="slow">
+    <p:randomBar dir="vert"/>
+  </p:transition>
 </p:sldLayout>
 </file>
 
@@ -8869,6 +8904,9 @@
   <p:clrMapOvr>
     <a:masterClrMapping/>
   </p:clrMapOvr>
+  <p:transition spd="slow">
+    <p:randomBar dir="vert"/>
+  </p:transition>
 </p:sldLayout>
 </file>
 
@@ -8987,6 +9025,9 @@
   <p:clrMapOvr>
     <a:masterClrMapping/>
   </p:clrMapOvr>
+  <p:transition spd="slow">
+    <p:randomBar dir="vert"/>
+  </p:transition>
 </p:sldLayout>
 </file>
 
@@ -9082,6 +9123,9 @@
   <p:clrMapOvr>
     <a:masterClrMapping/>
   </p:clrMapOvr>
+  <p:transition spd="slow">
+    <p:randomBar dir="vert"/>
+  </p:transition>
 </p:sldLayout>
 </file>
 
@@ -9331,6 +9375,9 @@
   <p:clrMapOvr>
     <a:masterClrMapping/>
   </p:clrMapOvr>
+  <p:transition spd="slow">
+    <p:randomBar dir="vert"/>
+  </p:transition>
 </p:sldLayout>
 </file>
 
@@ -9611,6 +9658,9 @@
   <p:clrMapOvr>
     <a:masterClrMapping/>
   </p:clrMapOvr>
+  <p:transition spd="slow">
+    <p:randomBar dir="vert"/>
+  </p:transition>
 </p:sldLayout>
 </file>
 
@@ -12731,6 +12781,9 @@
     <p:sldLayoutId id="2147483712" r:id="rId16"/>
     <p:sldLayoutId id="2147483713" r:id="rId17"/>
   </p:sldLayoutIdLst>
+  <p:transition spd="slow">
+    <p:randomBar dir="vert"/>
+  </p:transition>
   <p:txStyles>
     <p:titleStyle>
       <a:lvl1pPr algn="l" defTabSz="914400" rtl="0" eaLnBrk="1" latinLnBrk="0" hangingPunct="1">
@@ -13068,7 +13121,7 @@
               <a:rPr lang="en-US" dirty="0" smtClean="0"/>
             </a:br>
             <a:r>
-              <a:rPr lang="en-US" smtClean="0"/>
+              <a:rPr lang="en-US" dirty="0" smtClean="0"/>
               <a:t>Interim Report</a:t>
             </a:r>
             <a:endParaRPr lang="en-US" dirty="0"/>
@@ -13098,6 +13151,38 @@
           </a:p>
         </p:txBody>
       </p:sp>
+      <p:pic>
+        <p:nvPicPr>
+          <p:cNvPr id="4" name="Picture 3">
+            <a:hlinkClick r:id="rId4"/>
+          </p:cNvPr>
+          <p:cNvPicPr>
+            <a:picLocks noChangeAspect="1"/>
+          </p:cNvPicPr>
+          <p:nvPr/>
+        </p:nvPicPr>
+        <p:blipFill>
+          <a:blip r:embed="rId5">
+            <a:extLst>
+              <a:ext uri="{28A0092B-C50C-407E-A947-70E740481C1C}">
+                <a14:useLocalDpi xmlns:a14="http://schemas.microsoft.com/office/drawing/2010/main" val="0"/>
+              </a:ext>
+            </a:extLst>
+          </a:blip>
+          <a:stretch>
+            <a:fillRect/>
+          </a:stretch>
+        </p:blipFill>
+        <p:spPr>
+          <a:xfrm>
+            <a:off x="8062792" y="2195945"/>
+            <a:ext cx="2979280" cy="1711036"/>
+          </a:xfrm>
+          <a:prstGeom prst="rect">
+            <a:avLst/>
+          </a:prstGeom>
+        </p:spPr>
+      </p:pic>
     </p:spTree>
     <p:extLst>
       <p:ext uri="{BB962C8B-B14F-4D97-AF65-F5344CB8AC3E}">
@@ -13108,6 +13193,9 @@
   <p:clrMapOvr>
     <a:overrideClrMapping bg1="dk1" tx1="lt1" bg2="dk2" tx2="lt2" accent1="accent1" accent2="accent2" accent3="accent3" accent4="accent4" accent5="accent5" accent6="accent6" hlink="hlink" folHlink="folHlink"/>
   </p:clrMapOvr>
+  <p:transition spd="slow">
+    <p:randomBar dir="vert"/>
+  </p:transition>
   <p:timing>
     <p:tnLst>
       <p:par>
@@ -13154,7 +13242,11 @@
           <a:p>
             <a:r>
               <a:rPr lang="en-US" dirty="0" smtClean="0"/>
-              <a:t>Initial Proceedings				</a:t>
+              <a:t>Overview		</a:t>
+            </a:r>
+            <a:r>
+              <a:rPr lang="en-US" dirty="0" smtClean="0"/>
+              <a:t>			</a:t>
             </a:r>
             <a:r>
               <a:rPr lang="en-US" dirty="0" smtClean="0">
@@ -13183,7 +13275,58 @@
           <a:p>
             <a:r>
               <a:rPr lang="en-US" dirty="0" smtClean="0"/>
-              <a:t>Wrong/changed</a:t>
+              <a:t>Long-term project</a:t>
+            </a:r>
+          </a:p>
+          <a:p>
+            <a:r>
+              <a:rPr lang="en-US" dirty="0" smtClean="0"/>
+              <a:t>Repository forks for easier management of testing vs production</a:t>
+            </a:r>
+          </a:p>
+          <a:p>
+            <a:r>
+              <a:rPr lang="en-US" dirty="0" smtClean="0"/>
+              <a:t>Communication via </a:t>
+            </a:r>
+            <a:r>
+              <a:rPr lang="en-US" dirty="0" smtClean="0">
+                <a:hlinkClick r:id="rId4"/>
+              </a:rPr>
+              <a:t>Slack</a:t>
+            </a:r>
+            <a:r>
+              <a:rPr lang="en-US" dirty="0" smtClean="0"/>
+              <a:t> or in-person meetings</a:t>
+            </a:r>
+          </a:p>
+          <a:p>
+            <a:r>
+              <a:rPr lang="en-US" dirty="0" smtClean="0"/>
+              <a:t>No </a:t>
+            </a:r>
+            <a:r>
+              <a:rPr lang="en-US" dirty="0" smtClean="0">
+                <a:hlinkClick r:id="rId5"/>
+              </a:rPr>
+              <a:t>license</a:t>
+            </a:r>
+            <a:r>
+              <a:rPr lang="en-US" dirty="0" smtClean="0"/>
+              <a:t> for the project itself</a:t>
+            </a:r>
+          </a:p>
+          <a:p>
+            <a:pPr lvl="1"/>
+            <a:r>
+              <a:rPr lang="en-US" dirty="0" smtClean="0"/>
+              <a:t>Q&amp;A forum </a:t>
+            </a:r>
+            <a:r>
+              <a:rPr lang="en-US" dirty="0" smtClean="0">
+                <a:hlinkClick r:id="rId6"/>
+              </a:rPr>
+              <a:t>license</a:t>
             </a:r>
             <a:endParaRPr lang="en-US" dirty="0"/>
           </a:p>
@@ -13199,6 +13342,9 @@
   <p:clrMapOvr>
     <a:masterClrMapping/>
   </p:clrMapOvr>
+  <p:transition spd="slow">
+    <p:randomBar dir="vert"/>
+  </p:transition>
   <p:timing>
     <p:tnLst>
       <p:par>
@@ -13243,94 +13389,13 @@
           <a:p>
             <a:r>
               <a:rPr lang="en-US" dirty="0" smtClean="0"/>
-              <a:t>Organization and Communication</a:t>
-            </a:r>
-            <a:endParaRPr lang="en-US" dirty="0"/>
-          </a:p>
-        </p:txBody>
-      </p:sp>
-      <p:sp>
-        <p:nvSpPr>
-          <p:cNvPr id="3" name="Content Placeholder 2"/>
-          <p:cNvSpPr>
-            <a:spLocks noGrp="1"/>
-          </p:cNvSpPr>
-          <p:nvPr>
-            <p:ph idx="1"/>
-          </p:nvPr>
-        </p:nvSpPr>
-        <p:spPr/>
-        <p:txBody>
-          <a:bodyPr/>
-          <a:lstStyle/>
-          <a:p>
-            <a:r>
-              <a:rPr lang="en-US" dirty="0" smtClean="0"/>
-              <a:t>Slack Server</a:t>
-            </a:r>
-            <a:endParaRPr lang="en-US" dirty="0"/>
-          </a:p>
-        </p:txBody>
-      </p:sp>
-    </p:spTree>
-    <p:extLst>
-      <p:ext uri="{BB962C8B-B14F-4D97-AF65-F5344CB8AC3E}">
-        <p14:creationId xmlns:p14="http://schemas.microsoft.com/office/powerpoint/2010/main" val="516315124"/>
-      </p:ext>
-    </p:extLst>
-  </p:cSld>
-  <p:clrMapOvr>
-    <a:masterClrMapping/>
-  </p:clrMapOvr>
-  <p:timing>
-    <p:tnLst>
-      <p:par>
-        <p:cTn id="1" dur="indefinite" restart="never" nodeType="tmRoot"/>
-      </p:par>
-    </p:tnLst>
-  </p:timing>
-</p:sld>
-</file>
-
-<file path=ppt/slides/slide4.xml><?xml version="1.0" encoding="utf-8"?>
-<p:sld xmlns:a="http://schemas.openxmlformats.org/drawingml/2006/main" xmlns:r="http://schemas.openxmlformats.org/officeDocument/2006/relationships" xmlns:p="http://schemas.openxmlformats.org/presentationml/2006/main">
-  <p:cSld>
-    <p:spTree>
-      <p:nvGrpSpPr>
-        <p:cNvPr id="1" name=""/>
-        <p:cNvGrpSpPr/>
-        <p:nvPr/>
-      </p:nvGrpSpPr>
-      <p:grpSpPr>
-        <a:xfrm>
-          <a:off x="0" y="0"/>
-          <a:ext cx="0" cy="0"/>
-          <a:chOff x="0" y="0"/>
-          <a:chExt cx="0" cy="0"/>
-        </a:xfrm>
-      </p:grpSpPr>
-      <p:sp>
-        <p:nvSpPr>
-          <p:cNvPr id="2" name="Title 1"/>
-          <p:cNvSpPr>
-            <a:spLocks noGrp="1"/>
-          </p:cNvSpPr>
-          <p:nvPr>
-            <p:ph type="title"/>
-          </p:nvPr>
-        </p:nvSpPr>
-        <p:spPr/>
-        <p:txBody>
-          <a:bodyPr/>
-          <a:lstStyle/>
-          <a:p>
-            <a:r>
-              <a:rPr lang="en-US" dirty="0" smtClean="0"/>
-              <a:t>Tasks</a:t>
+              <a:t>Tasks: June-July 2019 		</a:t>
             </a:r>
             <a:r>
-              <a:rPr lang="en-US" smtClean="0"/>
-              <a:t>: June-July 2019</a:t>
+              <a:rPr lang="en-US" dirty="0" smtClean="0">
+                <a:hlinkClick r:id="rId3"/>
+              </a:rPr>
+              <a:t>Pull Request</a:t>
             </a:r>
             <a:endParaRPr lang="en-US" dirty="0"/>
           </a:p>
@@ -13503,11 +13568,11 @@
           <p:nvPr/>
         </p:nvPicPr>
         <p:blipFill>
-          <a:blip r:embed="rId3">
+          <a:blip r:embed="rId4">
             <a:extLst>
               <a:ext uri="{BEBA8EAE-BF5A-486C-A8C5-ECC9F3942E4B}">
                 <a14:imgProps xmlns:a14="http://schemas.microsoft.com/office/drawing/2010/main">
-                  <a14:imgLayer r:embed="rId4">
+                  <a14:imgLayer r:embed="rId5">
                     <a14:imgEffect>
                       <a14:backgroundRemoval t="10000" b="90000" l="10000" r="90000"/>
                     </a14:imgEffect>
@@ -13539,11 +13604,11 @@
           <p:nvPr/>
         </p:nvPicPr>
         <p:blipFill>
-          <a:blip r:embed="rId3">
+          <a:blip r:embed="rId4">
             <a:extLst>
               <a:ext uri="{BEBA8EAE-BF5A-486C-A8C5-ECC9F3942E4B}">
                 <a14:imgProps xmlns:a14="http://schemas.microsoft.com/office/drawing/2010/main">
-                  <a14:imgLayer r:embed="rId4">
+                  <a14:imgLayer r:embed="rId5">
                     <a14:imgEffect>
                       <a14:backgroundRemoval t="10000" b="90000" l="10000" r="90000"/>
                     </a14:imgEffect>
@@ -13575,11 +13640,11 @@
           <p:nvPr/>
         </p:nvPicPr>
         <p:blipFill>
-          <a:blip r:embed="rId3">
+          <a:blip r:embed="rId4">
             <a:extLst>
               <a:ext uri="{BEBA8EAE-BF5A-486C-A8C5-ECC9F3942E4B}">
                 <a14:imgProps xmlns:a14="http://schemas.microsoft.com/office/drawing/2010/main">
-                  <a14:imgLayer r:embed="rId4">
+                  <a14:imgLayer r:embed="rId5">
                     <a14:imgEffect>
                       <a14:backgroundRemoval t="10000" b="90000" l="10000" r="90000"/>
                     </a14:imgEffect>
@@ -13611,11 +13676,11 @@
           <p:nvPr/>
         </p:nvPicPr>
         <p:blipFill>
-          <a:blip r:embed="rId3">
+          <a:blip r:embed="rId4">
             <a:extLst>
               <a:ext uri="{BEBA8EAE-BF5A-486C-A8C5-ECC9F3942E4B}">
                 <a14:imgProps xmlns:a14="http://schemas.microsoft.com/office/drawing/2010/main">
-                  <a14:imgLayer r:embed="rId4">
+                  <a14:imgLayer r:embed="rId5">
                     <a14:imgEffect>
                       <a14:backgroundRemoval t="10000" b="90000" l="10000" r="90000"/>
                     </a14:imgEffect>
@@ -13647,11 +13712,11 @@
           <p:nvPr/>
         </p:nvPicPr>
         <p:blipFill>
-          <a:blip r:embed="rId3">
+          <a:blip r:embed="rId4">
             <a:extLst>
               <a:ext uri="{BEBA8EAE-BF5A-486C-A8C5-ECC9F3942E4B}">
                 <a14:imgProps xmlns:a14="http://schemas.microsoft.com/office/drawing/2010/main">
-                  <a14:imgLayer r:embed="rId4">
+                  <a14:imgLayer r:embed="rId5">
                     <a14:imgEffect>
                       <a14:backgroundRemoval t="10000" b="90000" l="10000" r="90000"/>
                     </a14:imgEffect>
@@ -13683,11 +13748,11 @@
           <p:nvPr/>
         </p:nvPicPr>
         <p:blipFill>
-          <a:blip r:embed="rId3">
+          <a:blip r:embed="rId4">
             <a:extLst>
               <a:ext uri="{BEBA8EAE-BF5A-486C-A8C5-ECC9F3942E4B}">
                 <a14:imgProps xmlns:a14="http://schemas.microsoft.com/office/drawing/2010/main">
-                  <a14:imgLayer r:embed="rId4">
+                  <a14:imgLayer r:embed="rId5">
                     <a14:imgEffect>
                       <a14:backgroundRemoval t="10000" b="90000" l="10000" r="90000"/>
                     </a14:imgEffect>
@@ -13719,11 +13784,11 @@
           <p:nvPr/>
         </p:nvPicPr>
         <p:blipFill>
-          <a:blip r:embed="rId3">
+          <a:blip r:embed="rId4">
             <a:extLst>
               <a:ext uri="{BEBA8EAE-BF5A-486C-A8C5-ECC9F3942E4B}">
                 <a14:imgProps xmlns:a14="http://schemas.microsoft.com/office/drawing/2010/main">
-                  <a14:imgLayer r:embed="rId4">
+                  <a14:imgLayer r:embed="rId5">
                     <a14:imgEffect>
                       <a14:backgroundRemoval t="10000" b="90000" l="10000" r="90000"/>
                     </a14:imgEffect>
@@ -13755,11 +13820,11 @@
           <p:nvPr/>
         </p:nvPicPr>
         <p:blipFill>
-          <a:blip r:embed="rId3">
+          <a:blip r:embed="rId4">
             <a:extLst>
               <a:ext uri="{BEBA8EAE-BF5A-486C-A8C5-ECC9F3942E4B}">
                 <a14:imgProps xmlns:a14="http://schemas.microsoft.com/office/drawing/2010/main">
-                  <a14:imgLayer r:embed="rId4">
+                  <a14:imgLayer r:embed="rId5">
                     <a14:imgEffect>
                       <a14:backgroundRemoval t="10000" b="90000" l="10000" r="90000"/>
                     </a14:imgEffect>
@@ -13791,11 +13856,11 @@
           <p:nvPr/>
         </p:nvPicPr>
         <p:blipFill>
-          <a:blip r:embed="rId5">
+          <a:blip r:embed="rId6">
             <a:extLst>
               <a:ext uri="{BEBA8EAE-BF5A-486C-A8C5-ECC9F3942E4B}">
                 <a14:imgProps xmlns:a14="http://schemas.microsoft.com/office/drawing/2010/main">
-                  <a14:imgLayer r:embed="rId6">
+                  <a14:imgLayer r:embed="rId7">
                     <a14:imgEffect>
                       <a14:backgroundRemoval t="10000" b="90000" l="10000" r="90000"/>
                     </a14:imgEffect>
@@ -13828,6 +13893,16 @@
   <p:clrMapOvr>
     <a:masterClrMapping/>
   </p:clrMapOvr>
+  <p:transition spd="slow">
+    <p:randomBar dir="vert"/>
+  </p:transition>
+  <p:timing>
+    <p:tnLst>
+      <p:par>
+        <p:cTn id="1" dur="indefinite" restart="never" nodeType="tmRoot"/>
+      </p:par>
+    </p:tnLst>
+  </p:timing>
 </p:sld>
 </file>
 

--- a/Project/Project Update.pptx
+++ b/Project/Project Update.pptx
@@ -199,7 +199,7 @@
           <a:p>
             <a:fld id="{ABB69B23-120A-4BEA-8F94-97FEFC3656C1}" type="datetimeFigureOut">
               <a:rPr lang="en-US" smtClean="0"/>
-              <a:t>7/29/2019</a:t>
+              <a:t>7/30/2019</a:t>
             </a:fld>
             <a:endParaRPr lang="en-US"/>
           </a:p>
@@ -776,7 +776,7 @@
           <a:noFill/>
           <a:extLst>
             <a:ext uri="{909E8E84-426E-40dd-AFC4-6F175D3DCCD1}">
-              <a14:hiddenFill xmlns:a14="http://schemas.microsoft.com/office/drawing/2010/main" xmlns="">
+              <a14:hiddenFill xmlns="" xmlns:a14="http://schemas.microsoft.com/office/drawing/2010/main">
                 <a:solidFill>
                   <a:srgbClr val="FFFFFF"/>
                 </a:solidFill>
@@ -835,7 +835,7 @@
             </a:ln>
             <a:extLst>
               <a:ext uri="{91240B29-F687-4f45-9708-019B960494DF}">
-                <a14:hiddenLine xmlns:a14="http://schemas.microsoft.com/office/drawing/2010/main" xmlns="" w="9525">
+                <a14:hiddenLine xmlns="" xmlns:a14="http://schemas.microsoft.com/office/drawing/2010/main" w="9525">
                   <a:solidFill>
                     <a:srgbClr val="000000"/>
                   </a:solidFill>
@@ -925,7 +925,7 @@
             </a:ln>
             <a:extLst>
               <a:ext uri="{91240B29-F687-4f45-9708-019B960494DF}">
-                <a14:hiddenLine xmlns:a14="http://schemas.microsoft.com/office/drawing/2010/main" xmlns="" w="9525">
+                <a14:hiddenLine xmlns="" xmlns:a14="http://schemas.microsoft.com/office/drawing/2010/main" w="9525">
                   <a:solidFill>
                     <a:srgbClr val="000000"/>
                   </a:solidFill>
@@ -1015,7 +1015,7 @@
             </a:ln>
             <a:extLst>
               <a:ext uri="{91240B29-F687-4f45-9708-019B960494DF}">
-                <a14:hiddenLine xmlns:a14="http://schemas.microsoft.com/office/drawing/2010/main" xmlns="" w="9525">
+                <a14:hiddenLine xmlns="" xmlns:a14="http://schemas.microsoft.com/office/drawing/2010/main" w="9525">
                   <a:solidFill>
                     <a:srgbClr val="000000"/>
                   </a:solidFill>
@@ -1049,7 +1049,7 @@
             </a:ln>
             <a:extLst>
               <a:ext uri="{91240B29-F687-4f45-9708-019B960494DF}">
-                <a14:hiddenLine xmlns:a14="http://schemas.microsoft.com/office/drawing/2010/main" xmlns="" w="9525">
+                <a14:hiddenLine xmlns="" xmlns:a14="http://schemas.microsoft.com/office/drawing/2010/main" w="9525">
                   <a:solidFill>
                     <a:srgbClr val="000000"/>
                   </a:solidFill>
@@ -1139,7 +1139,7 @@
             </a:ln>
             <a:extLst>
               <a:ext uri="{91240B29-F687-4f45-9708-019B960494DF}">
-                <a14:hiddenLine xmlns:a14="http://schemas.microsoft.com/office/drawing/2010/main" xmlns="" w="9525">
+                <a14:hiddenLine xmlns="" xmlns:a14="http://schemas.microsoft.com/office/drawing/2010/main" w="9525">
                   <a:solidFill>
                     <a:srgbClr val="000000"/>
                   </a:solidFill>
@@ -1201,7 +1201,7 @@
             </a:ln>
             <a:extLst>
               <a:ext uri="{91240B29-F687-4f45-9708-019B960494DF}">
-                <a14:hiddenLine xmlns:a14="http://schemas.microsoft.com/office/drawing/2010/main" xmlns="" w="9525">
+                <a14:hiddenLine xmlns="" xmlns:a14="http://schemas.microsoft.com/office/drawing/2010/main" w="9525">
                   <a:solidFill>
                     <a:srgbClr val="000000"/>
                   </a:solidFill>
@@ -1263,7 +1263,7 @@
             </a:ln>
             <a:extLst>
               <a:ext uri="{91240B29-F687-4f45-9708-019B960494DF}">
-                <a14:hiddenLine xmlns:a14="http://schemas.microsoft.com/office/drawing/2010/main" xmlns="" w="9525">
+                <a14:hiddenLine xmlns="" xmlns:a14="http://schemas.microsoft.com/office/drawing/2010/main" w="9525">
                   <a:solidFill>
                     <a:srgbClr val="000000"/>
                   </a:solidFill>
@@ -1353,7 +1353,7 @@
             </a:ln>
             <a:extLst>
               <a:ext uri="{91240B29-F687-4f45-9708-019B960494DF}">
-                <a14:hiddenLine xmlns:a14="http://schemas.microsoft.com/office/drawing/2010/main" xmlns="" w="9525">
+                <a14:hiddenLine xmlns="" xmlns:a14="http://schemas.microsoft.com/office/drawing/2010/main" w="9525">
                   <a:solidFill>
                     <a:srgbClr val="000000"/>
                   </a:solidFill>
@@ -1415,7 +1415,7 @@
             </a:ln>
             <a:extLst>
               <a:ext uri="{91240B29-F687-4f45-9708-019B960494DF}">
-                <a14:hiddenLine xmlns:a14="http://schemas.microsoft.com/office/drawing/2010/main" xmlns="" w="9525">
+                <a14:hiddenLine xmlns="" xmlns:a14="http://schemas.microsoft.com/office/drawing/2010/main" w="9525">
                   <a:solidFill>
                     <a:srgbClr val="000000"/>
                   </a:solidFill>
@@ -1477,7 +1477,7 @@
             </a:ln>
             <a:extLst>
               <a:ext uri="{91240B29-F687-4f45-9708-019B960494DF}">
-                <a14:hiddenLine xmlns:a14="http://schemas.microsoft.com/office/drawing/2010/main" xmlns="" w="9525">
+                <a14:hiddenLine xmlns="" xmlns:a14="http://schemas.microsoft.com/office/drawing/2010/main" w="9525">
                   <a:solidFill>
                     <a:srgbClr val="000000"/>
                   </a:solidFill>
@@ -1567,7 +1567,7 @@
             </a:ln>
             <a:extLst>
               <a:ext uri="{91240B29-F687-4f45-9708-019B960494DF}">
-                <a14:hiddenLine xmlns:a14="http://schemas.microsoft.com/office/drawing/2010/main" xmlns="" w="9525">
+                <a14:hiddenLine xmlns="" xmlns:a14="http://schemas.microsoft.com/office/drawing/2010/main" w="9525">
                   <a:solidFill>
                     <a:srgbClr val="000000"/>
                   </a:solidFill>
@@ -1657,7 +1657,7 @@
             </a:ln>
             <a:extLst>
               <a:ext uri="{91240B29-F687-4f45-9708-019B960494DF}">
-                <a14:hiddenLine xmlns:a14="http://schemas.microsoft.com/office/drawing/2010/main" xmlns="" w="9525">
+                <a14:hiddenLine xmlns="" xmlns:a14="http://schemas.microsoft.com/office/drawing/2010/main" w="9525">
                   <a:solidFill>
                     <a:srgbClr val="000000"/>
                   </a:solidFill>
@@ -1719,7 +1719,7 @@
             </a:ln>
             <a:extLst>
               <a:ext uri="{91240B29-F687-4f45-9708-019B960494DF}">
-                <a14:hiddenLine xmlns:a14="http://schemas.microsoft.com/office/drawing/2010/main" xmlns="" w="9525">
+                <a14:hiddenLine xmlns="" xmlns:a14="http://schemas.microsoft.com/office/drawing/2010/main" w="9525">
                   <a:solidFill>
                     <a:srgbClr val="000000"/>
                   </a:solidFill>
@@ -1829,7 +1829,7 @@
             </a:ln>
             <a:extLst>
               <a:ext uri="{91240B29-F687-4f45-9708-019B960494DF}">
-                <a14:hiddenLine xmlns:a14="http://schemas.microsoft.com/office/drawing/2010/main" xmlns="" w="9525">
+                <a14:hiddenLine xmlns="" xmlns:a14="http://schemas.microsoft.com/office/drawing/2010/main" w="9525">
                   <a:solidFill>
                     <a:srgbClr val="000000"/>
                   </a:solidFill>
@@ -1891,7 +1891,7 @@
             </a:ln>
             <a:extLst>
               <a:ext uri="{91240B29-F687-4f45-9708-019B960494DF}">
-                <a14:hiddenLine xmlns:a14="http://schemas.microsoft.com/office/drawing/2010/main" xmlns="" w="9525">
+                <a14:hiddenLine xmlns="" xmlns:a14="http://schemas.microsoft.com/office/drawing/2010/main" w="9525">
                   <a:solidFill>
                     <a:srgbClr val="000000"/>
                   </a:solidFill>
@@ -1981,7 +1981,7 @@
             </a:ln>
             <a:extLst>
               <a:ext uri="{91240B29-F687-4f45-9708-019B960494DF}">
-                <a14:hiddenLine xmlns:a14="http://schemas.microsoft.com/office/drawing/2010/main" xmlns="" w="9525">
+                <a14:hiddenLine xmlns="" xmlns:a14="http://schemas.microsoft.com/office/drawing/2010/main" w="9525">
                   <a:solidFill>
                     <a:srgbClr val="000000"/>
                   </a:solidFill>
@@ -2071,7 +2071,7 @@
             </a:ln>
             <a:extLst>
               <a:ext uri="{91240B29-F687-4f45-9708-019B960494DF}">
-                <a14:hiddenLine xmlns:a14="http://schemas.microsoft.com/office/drawing/2010/main" xmlns="" w="9525">
+                <a14:hiddenLine xmlns="" xmlns:a14="http://schemas.microsoft.com/office/drawing/2010/main" w="9525">
                   <a:solidFill>
                     <a:srgbClr val="000000"/>
                   </a:solidFill>
@@ -2133,7 +2133,7 @@
             </a:ln>
             <a:extLst>
               <a:ext uri="{91240B29-F687-4f45-9708-019B960494DF}">
-                <a14:hiddenLine xmlns:a14="http://schemas.microsoft.com/office/drawing/2010/main" xmlns="" w="9525">
+                <a14:hiddenLine xmlns="" xmlns:a14="http://schemas.microsoft.com/office/drawing/2010/main" w="9525">
                   <a:solidFill>
                     <a:srgbClr val="000000"/>
                   </a:solidFill>
@@ -2223,7 +2223,7 @@
             </a:ln>
             <a:extLst>
               <a:ext uri="{91240B29-F687-4f45-9708-019B960494DF}">
-                <a14:hiddenLine xmlns:a14="http://schemas.microsoft.com/office/drawing/2010/main" xmlns="" w="9525">
+                <a14:hiddenLine xmlns="" xmlns:a14="http://schemas.microsoft.com/office/drawing/2010/main" w="9525">
                   <a:solidFill>
                     <a:srgbClr val="000000"/>
                   </a:solidFill>
@@ -2313,7 +2313,7 @@
             </a:ln>
             <a:extLst>
               <a:ext uri="{91240B29-F687-4f45-9708-019B960494DF}">
-                <a14:hiddenLine xmlns:a14="http://schemas.microsoft.com/office/drawing/2010/main" xmlns="" w="9525">
+                <a14:hiddenLine xmlns="" xmlns:a14="http://schemas.microsoft.com/office/drawing/2010/main" w="9525">
                   <a:solidFill>
                     <a:srgbClr val="000000"/>
                   </a:solidFill>
@@ -2369,7 +2369,7 @@
             </a:ln>
             <a:extLst>
               <a:ext uri="{91240B29-F687-4f45-9708-019B960494DF}">
-                <a14:hiddenLine xmlns:a14="http://schemas.microsoft.com/office/drawing/2010/main" xmlns="" w="9525">
+                <a14:hiddenLine xmlns="" xmlns:a14="http://schemas.microsoft.com/office/drawing/2010/main" w="9525">
                   <a:solidFill>
                     <a:srgbClr val="000000"/>
                   </a:solidFill>
@@ -2459,7 +2459,7 @@
             </a:ln>
             <a:extLst>
               <a:ext uri="{91240B29-F687-4f45-9708-019B960494DF}">
-                <a14:hiddenLine xmlns:a14="http://schemas.microsoft.com/office/drawing/2010/main" xmlns="" w="9525">
+                <a14:hiddenLine xmlns="" xmlns:a14="http://schemas.microsoft.com/office/drawing/2010/main" w="9525">
                   <a:solidFill>
                     <a:srgbClr val="000000"/>
                   </a:solidFill>
@@ -2515,7 +2515,7 @@
             </a:ln>
             <a:extLst>
               <a:ext uri="{91240B29-F687-4f45-9708-019B960494DF}">
-                <a14:hiddenLine xmlns:a14="http://schemas.microsoft.com/office/drawing/2010/main" xmlns="" w="9525">
+                <a14:hiddenLine xmlns="" xmlns:a14="http://schemas.microsoft.com/office/drawing/2010/main" w="9525">
                   <a:solidFill>
                     <a:srgbClr val="000000"/>
                   </a:solidFill>
@@ -2605,7 +2605,7 @@
             </a:ln>
             <a:extLst>
               <a:ext uri="{91240B29-F687-4f45-9708-019B960494DF}">
-                <a14:hiddenLine xmlns:a14="http://schemas.microsoft.com/office/drawing/2010/main" xmlns="" w="9525">
+                <a14:hiddenLine xmlns="" xmlns:a14="http://schemas.microsoft.com/office/drawing/2010/main" w="9525">
                   <a:solidFill>
                     <a:srgbClr val="000000"/>
                   </a:solidFill>
@@ -2673,7 +2673,7 @@
             </a:ln>
             <a:extLst>
               <a:ext uri="{91240B29-F687-4f45-9708-019B960494DF}">
-                <a14:hiddenLine xmlns:a14="http://schemas.microsoft.com/office/drawing/2010/main" xmlns="" w="9525">
+                <a14:hiddenLine xmlns="" xmlns:a14="http://schemas.microsoft.com/office/drawing/2010/main" w="9525">
                   <a:solidFill>
                     <a:srgbClr val="000000"/>
                   </a:solidFill>
@@ -2763,7 +2763,7 @@
             </a:ln>
             <a:extLst>
               <a:ext uri="{91240B29-F687-4f45-9708-019B960494DF}">
-                <a14:hiddenLine xmlns:a14="http://schemas.microsoft.com/office/drawing/2010/main" xmlns="" w="9525">
+                <a14:hiddenLine xmlns="" xmlns:a14="http://schemas.microsoft.com/office/drawing/2010/main" w="9525">
                   <a:solidFill>
                     <a:srgbClr val="000000"/>
                   </a:solidFill>
@@ -2831,7 +2831,7 @@
             </a:ln>
             <a:extLst>
               <a:ext uri="{91240B29-F687-4f45-9708-019B960494DF}">
-                <a14:hiddenLine xmlns:a14="http://schemas.microsoft.com/office/drawing/2010/main" xmlns="" w="9525">
+                <a14:hiddenLine xmlns="" xmlns:a14="http://schemas.microsoft.com/office/drawing/2010/main" w="9525">
                   <a:solidFill>
                     <a:srgbClr val="000000"/>
                   </a:solidFill>
@@ -2921,7 +2921,7 @@
             </a:ln>
             <a:extLst>
               <a:ext uri="{91240B29-F687-4f45-9708-019B960494DF}">
-                <a14:hiddenLine xmlns:a14="http://schemas.microsoft.com/office/drawing/2010/main" xmlns="" w="9525">
+                <a14:hiddenLine xmlns="" xmlns:a14="http://schemas.microsoft.com/office/drawing/2010/main" w="9525">
                   <a:solidFill>
                     <a:srgbClr val="000000"/>
                   </a:solidFill>
@@ -2955,7 +2955,7 @@
             </a:ln>
             <a:extLst>
               <a:ext uri="{91240B29-F687-4f45-9708-019B960494DF}">
-                <a14:hiddenLine xmlns:a14="http://schemas.microsoft.com/office/drawing/2010/main" xmlns="" w="9525">
+                <a14:hiddenLine xmlns="" xmlns:a14="http://schemas.microsoft.com/office/drawing/2010/main" w="9525">
                   <a:solidFill>
                     <a:srgbClr val="000000"/>
                   </a:solidFill>
@@ -3045,7 +3045,7 @@
             </a:ln>
             <a:extLst>
               <a:ext uri="{91240B29-F687-4f45-9708-019B960494DF}">
-                <a14:hiddenLine xmlns:a14="http://schemas.microsoft.com/office/drawing/2010/main" xmlns="" w="9525">
+                <a14:hiddenLine xmlns="" xmlns:a14="http://schemas.microsoft.com/office/drawing/2010/main" w="9525">
                   <a:solidFill>
                     <a:srgbClr val="000000"/>
                   </a:solidFill>
@@ -3107,7 +3107,7 @@
             </a:ln>
             <a:extLst>
               <a:ext uri="{91240B29-F687-4f45-9708-019B960494DF}">
-                <a14:hiddenLine xmlns:a14="http://schemas.microsoft.com/office/drawing/2010/main" xmlns="" w="9525">
+                <a14:hiddenLine xmlns="" xmlns:a14="http://schemas.microsoft.com/office/drawing/2010/main" w="9525">
                   <a:solidFill>
                     <a:srgbClr val="000000"/>
                   </a:solidFill>
@@ -3169,7 +3169,7 @@
             </a:ln>
             <a:extLst>
               <a:ext uri="{91240B29-F687-4f45-9708-019B960494DF}">
-                <a14:hiddenLine xmlns:a14="http://schemas.microsoft.com/office/drawing/2010/main" xmlns="" w="9525">
+                <a14:hiddenLine xmlns="" xmlns:a14="http://schemas.microsoft.com/office/drawing/2010/main" w="9525">
                   <a:solidFill>
                     <a:srgbClr val="000000"/>
                   </a:solidFill>
@@ -3259,7 +3259,7 @@
             </a:ln>
             <a:extLst>
               <a:ext uri="{91240B29-F687-4f45-9708-019B960494DF}">
-                <a14:hiddenLine xmlns:a14="http://schemas.microsoft.com/office/drawing/2010/main" xmlns="" w="9525">
+                <a14:hiddenLine xmlns="" xmlns:a14="http://schemas.microsoft.com/office/drawing/2010/main" w="9525">
                   <a:solidFill>
                     <a:srgbClr val="000000"/>
                   </a:solidFill>
@@ -3327,7 +3327,7 @@
             </a:ln>
             <a:extLst>
               <a:ext uri="{91240B29-F687-4f45-9708-019B960494DF}">
-                <a14:hiddenLine xmlns:a14="http://schemas.microsoft.com/office/drawing/2010/main" xmlns="" w="9525">
+                <a14:hiddenLine xmlns="" xmlns:a14="http://schemas.microsoft.com/office/drawing/2010/main" w="9525">
                   <a:solidFill>
                     <a:srgbClr val="000000"/>
                   </a:solidFill>
@@ -3389,7 +3389,7 @@
             </a:ln>
             <a:extLst>
               <a:ext uri="{91240B29-F687-4f45-9708-019B960494DF}">
-                <a14:hiddenLine xmlns:a14="http://schemas.microsoft.com/office/drawing/2010/main" xmlns="" w="9525">
+                <a14:hiddenLine xmlns="" xmlns:a14="http://schemas.microsoft.com/office/drawing/2010/main" w="9525">
                   <a:solidFill>
                     <a:srgbClr val="000000"/>
                   </a:solidFill>
@@ -3479,7 +3479,7 @@
             </a:ln>
             <a:extLst>
               <a:ext uri="{91240B29-F687-4f45-9708-019B960494DF}">
-                <a14:hiddenLine xmlns:a14="http://schemas.microsoft.com/office/drawing/2010/main" xmlns="" w="9525">
+                <a14:hiddenLine xmlns="" xmlns:a14="http://schemas.microsoft.com/office/drawing/2010/main" w="9525">
                   <a:solidFill>
                     <a:srgbClr val="000000"/>
                   </a:solidFill>
@@ -3541,7 +3541,7 @@
             </a:ln>
             <a:extLst>
               <a:ext uri="{91240B29-F687-4f45-9708-019B960494DF}">
-                <a14:hiddenLine xmlns:a14="http://schemas.microsoft.com/office/drawing/2010/main" xmlns="" w="9525">
+                <a14:hiddenLine xmlns="" xmlns:a14="http://schemas.microsoft.com/office/drawing/2010/main" w="9525">
                   <a:solidFill>
                     <a:srgbClr val="000000"/>
                   </a:solidFill>
@@ -3631,7 +3631,7 @@
             </a:ln>
             <a:extLst>
               <a:ext uri="{91240B29-F687-4f45-9708-019B960494DF}">
-                <a14:hiddenLine xmlns:a14="http://schemas.microsoft.com/office/drawing/2010/main" xmlns="" w="9525">
+                <a14:hiddenLine xmlns="" xmlns:a14="http://schemas.microsoft.com/office/drawing/2010/main" w="9525">
                   <a:solidFill>
                     <a:srgbClr val="000000"/>
                   </a:solidFill>
@@ -3693,7 +3693,7 @@
             </a:ln>
             <a:extLst>
               <a:ext uri="{91240B29-F687-4f45-9708-019B960494DF}">
-                <a14:hiddenLine xmlns:a14="http://schemas.microsoft.com/office/drawing/2010/main" xmlns="" w="9525">
+                <a14:hiddenLine xmlns="" xmlns:a14="http://schemas.microsoft.com/office/drawing/2010/main" w="9525">
                   <a:solidFill>
                     <a:srgbClr val="000000"/>
                   </a:solidFill>
@@ -3783,7 +3783,7 @@
             </a:ln>
             <a:extLst>
               <a:ext uri="{91240B29-F687-4f45-9708-019B960494DF}">
-                <a14:hiddenLine xmlns:a14="http://schemas.microsoft.com/office/drawing/2010/main" xmlns="" w="9525">
+                <a14:hiddenLine xmlns="" xmlns:a14="http://schemas.microsoft.com/office/drawing/2010/main" w="9525">
                   <a:solidFill>
                     <a:srgbClr val="000000"/>
                   </a:solidFill>
@@ -3817,7 +3817,7 @@
             </a:ln>
             <a:extLst>
               <a:ext uri="{91240B29-F687-4f45-9708-019B960494DF}">
-                <a14:hiddenLine xmlns:a14="http://schemas.microsoft.com/office/drawing/2010/main" xmlns="" w="9525">
+                <a14:hiddenLine xmlns="" xmlns:a14="http://schemas.microsoft.com/office/drawing/2010/main" w="9525">
                   <a:solidFill>
                     <a:srgbClr val="000000"/>
                   </a:solidFill>
@@ -3882,7 +3882,7 @@
             </a:ln>
             <a:extLst>
               <a:ext uri="{91240B29-F687-4f45-9708-019B960494DF}">
-                <a14:hiddenLine xmlns:a14="http://schemas.microsoft.com/office/drawing/2010/main" xmlns="" w="9525">
+                <a14:hiddenLine xmlns="" xmlns:a14="http://schemas.microsoft.com/office/drawing/2010/main" w="9525">
                   <a:solidFill>
                     <a:srgbClr val="000000"/>
                   </a:solidFill>
@@ -3972,7 +3972,7 @@
             </a:ln>
             <a:extLst>
               <a:ext uri="{91240B29-F687-4f45-9708-019B960494DF}">
-                <a14:hiddenLine xmlns:a14="http://schemas.microsoft.com/office/drawing/2010/main" xmlns="" w="9525">
+                <a14:hiddenLine xmlns="" xmlns:a14="http://schemas.microsoft.com/office/drawing/2010/main" w="9525">
                   <a:solidFill>
                     <a:srgbClr val="000000"/>
                   </a:solidFill>
@@ -4034,7 +4034,7 @@
             </a:ln>
             <a:extLst>
               <a:ext uri="{91240B29-F687-4f45-9708-019B960494DF}">
-                <a14:hiddenLine xmlns:a14="http://schemas.microsoft.com/office/drawing/2010/main" xmlns="" w="9525">
+                <a14:hiddenLine xmlns="" xmlns:a14="http://schemas.microsoft.com/office/drawing/2010/main" w="9525">
                   <a:solidFill>
                     <a:srgbClr val="000000"/>
                   </a:solidFill>
@@ -4124,7 +4124,7 @@
             </a:ln>
             <a:extLst>
               <a:ext uri="{91240B29-F687-4f45-9708-019B960494DF}">
-                <a14:hiddenLine xmlns:a14="http://schemas.microsoft.com/office/drawing/2010/main" xmlns="" w="9525">
+                <a14:hiddenLine xmlns="" xmlns:a14="http://schemas.microsoft.com/office/drawing/2010/main" w="9525">
                   <a:solidFill>
                     <a:srgbClr val="000000"/>
                   </a:solidFill>
@@ -4214,7 +4214,7 @@
             </a:ln>
             <a:extLst>
               <a:ext uri="{91240B29-F687-4f45-9708-019B960494DF}">
-                <a14:hiddenLine xmlns:a14="http://schemas.microsoft.com/office/drawing/2010/main" xmlns="" w="9525">
+                <a14:hiddenLine xmlns="" xmlns:a14="http://schemas.microsoft.com/office/drawing/2010/main" w="9525">
                   <a:solidFill>
                     <a:srgbClr val="000000"/>
                   </a:solidFill>
@@ -4279,7 +4279,7 @@
             </a:ln>
             <a:extLst>
               <a:ext uri="{91240B29-F687-4f45-9708-019B960494DF}">
-                <a14:hiddenLine xmlns:a14="http://schemas.microsoft.com/office/drawing/2010/main" xmlns="" w="9525">
+                <a14:hiddenLine xmlns="" xmlns:a14="http://schemas.microsoft.com/office/drawing/2010/main" w="9525">
                   <a:solidFill>
                     <a:srgbClr val="000000"/>
                   </a:solidFill>
@@ -4341,7 +4341,7 @@
             </a:ln>
             <a:extLst>
               <a:ext uri="{91240B29-F687-4f45-9708-019B960494DF}">
-                <a14:hiddenLine xmlns:a14="http://schemas.microsoft.com/office/drawing/2010/main" xmlns="" w="9525">
+                <a14:hiddenLine xmlns="" xmlns:a14="http://schemas.microsoft.com/office/drawing/2010/main" w="9525">
                   <a:solidFill>
                     <a:srgbClr val="000000"/>
                   </a:solidFill>
@@ -4431,7 +4431,7 @@
             </a:ln>
             <a:extLst>
               <a:ext uri="{91240B29-F687-4f45-9708-019B960494DF}">
-                <a14:hiddenLine xmlns:a14="http://schemas.microsoft.com/office/drawing/2010/main" xmlns="" w="9525">
+                <a14:hiddenLine xmlns="" xmlns:a14="http://schemas.microsoft.com/office/drawing/2010/main" w="9525">
                   <a:solidFill>
                     <a:srgbClr val="000000"/>
                   </a:solidFill>
@@ -4521,7 +4521,7 @@
             </a:ln>
             <a:extLst>
               <a:ext uri="{91240B29-F687-4f45-9708-019B960494DF}">
-                <a14:hiddenLine xmlns:a14="http://schemas.microsoft.com/office/drawing/2010/main" xmlns="" w="9525">
+                <a14:hiddenLine xmlns="" xmlns:a14="http://schemas.microsoft.com/office/drawing/2010/main" w="9525">
                   <a:solidFill>
                     <a:srgbClr val="000000"/>
                   </a:solidFill>
@@ -4583,7 +4583,7 @@
             </a:ln>
             <a:extLst>
               <a:ext uri="{91240B29-F687-4f45-9708-019B960494DF}">
-                <a14:hiddenLine xmlns:a14="http://schemas.microsoft.com/office/drawing/2010/main" xmlns="" w="9525">
+                <a14:hiddenLine xmlns="" xmlns:a14="http://schemas.microsoft.com/office/drawing/2010/main" w="9525">
                   <a:solidFill>
                     <a:srgbClr val="000000"/>
                   </a:solidFill>
@@ -4703,7 +4703,7 @@
             </a:ln>
             <a:extLst>
               <a:ext uri="{91240B29-F687-4f45-9708-019B960494DF}">
-                <a14:hiddenLine xmlns:a14="http://schemas.microsoft.com/office/drawing/2010/main" xmlns="" w="9525">
+                <a14:hiddenLine xmlns="" xmlns:a14="http://schemas.microsoft.com/office/drawing/2010/main" w="9525">
                   <a:solidFill>
                     <a:srgbClr val="000000"/>
                   </a:solidFill>
@@ -4771,7 +4771,7 @@
             </a:ln>
             <a:extLst>
               <a:ext uri="{91240B29-F687-4f45-9708-019B960494DF}">
-                <a14:hiddenLine xmlns:a14="http://schemas.microsoft.com/office/drawing/2010/main" xmlns="" w="9525">
+                <a14:hiddenLine xmlns="" xmlns:a14="http://schemas.microsoft.com/office/drawing/2010/main" w="9525">
                   <a:solidFill>
                     <a:srgbClr val="000000"/>
                   </a:solidFill>
@@ -4861,7 +4861,7 @@
             </a:ln>
             <a:extLst>
               <a:ext uri="{91240B29-F687-4f45-9708-019B960494DF}">
-                <a14:hiddenLine xmlns:a14="http://schemas.microsoft.com/office/drawing/2010/main" xmlns="" w="9525">
+                <a14:hiddenLine xmlns="" xmlns:a14="http://schemas.microsoft.com/office/drawing/2010/main" w="9525">
                   <a:solidFill>
                     <a:srgbClr val="000000"/>
                   </a:solidFill>
@@ -5001,7 +5001,7 @@
           <a:p>
             <a:fld id="{207AA94B-B260-453C-A0A0-1638B254BB46}" type="datetimeFigureOut">
               <a:rPr lang="en-US" smtClean="0"/>
-              <a:t>7/29/2019</a:t>
+              <a:t>7/30/2019</a:t>
             </a:fld>
             <a:endParaRPr lang="en-US"/>
           </a:p>
@@ -5271,7 +5271,7 @@
           <a:p>
             <a:fld id="{207AA94B-B260-453C-A0A0-1638B254BB46}" type="datetimeFigureOut">
               <a:rPr lang="en-US" smtClean="0"/>
-              <a:t>7/29/2019</a:t>
+              <a:t>7/30/2019</a:t>
             </a:fld>
             <a:endParaRPr lang="en-US"/>
           </a:p>
@@ -5470,7 +5470,7 @@
           <a:p>
             <a:fld id="{207AA94B-B260-453C-A0A0-1638B254BB46}" type="datetimeFigureOut">
               <a:rPr lang="en-US" smtClean="0"/>
-              <a:t>7/29/2019</a:t>
+              <a:t>7/30/2019</a:t>
             </a:fld>
             <a:endParaRPr lang="en-US"/>
           </a:p>
@@ -5736,7 +5736,7 @@
           <a:p>
             <a:fld id="{207AA94B-B260-453C-A0A0-1638B254BB46}" type="datetimeFigureOut">
               <a:rPr lang="en-US" smtClean="0"/>
-              <a:t>7/29/2019</a:t>
+              <a:t>7/30/2019</a:t>
             </a:fld>
             <a:endParaRPr lang="en-US"/>
           </a:p>
@@ -6173,7 +6173,7 @@
           <a:p>
             <a:fld id="{207AA94B-B260-453C-A0A0-1638B254BB46}" type="datetimeFigureOut">
               <a:rPr lang="en-US" smtClean="0"/>
-              <a:t>7/29/2019</a:t>
+              <a:t>7/30/2019</a:t>
             </a:fld>
             <a:endParaRPr lang="en-US"/>
           </a:p>
@@ -6722,7 +6722,7 @@
           <a:p>
             <a:fld id="{207AA94B-B260-453C-A0A0-1638B254BB46}" type="datetimeFigureOut">
               <a:rPr lang="en-US" smtClean="0"/>
-              <a:t>7/29/2019</a:t>
+              <a:t>7/30/2019</a:t>
             </a:fld>
             <a:endParaRPr lang="en-US"/>
           </a:p>
@@ -7445,7 +7445,7 @@
           <a:p>
             <a:fld id="{207AA94B-B260-453C-A0A0-1638B254BB46}" type="datetimeFigureOut">
               <a:rPr lang="en-US" smtClean="0"/>
-              <a:t>7/29/2019</a:t>
+              <a:t>7/30/2019</a:t>
             </a:fld>
             <a:endParaRPr lang="en-US"/>
           </a:p>
@@ -7618,7 +7618,7 @@
           <a:p>
             <a:fld id="{207AA94B-B260-453C-A0A0-1638B254BB46}" type="datetimeFigureOut">
               <a:rPr lang="en-US" smtClean="0"/>
-              <a:t>7/29/2019</a:t>
+              <a:t>7/30/2019</a:t>
             </a:fld>
             <a:endParaRPr lang="en-US"/>
           </a:p>
@@ -7801,7 +7801,7 @@
           <a:p>
             <a:fld id="{207AA94B-B260-453C-A0A0-1638B254BB46}" type="datetimeFigureOut">
               <a:rPr lang="en-US" smtClean="0"/>
-              <a:t>7/29/2019</a:t>
+              <a:t>7/30/2019</a:t>
             </a:fld>
             <a:endParaRPr lang="en-US"/>
           </a:p>
@@ -7974,7 +7974,7 @@
           <a:p>
             <a:fld id="{207AA94B-B260-453C-A0A0-1638B254BB46}" type="datetimeFigureOut">
               <a:rPr lang="en-US" smtClean="0"/>
-              <a:t>7/29/2019</a:t>
+              <a:t>7/30/2019</a:t>
             </a:fld>
             <a:endParaRPr lang="en-US"/>
           </a:p>
@@ -8227,7 +8227,7 @@
           <a:p>
             <a:fld id="{207AA94B-B260-453C-A0A0-1638B254BB46}" type="datetimeFigureOut">
               <a:rPr lang="en-US" smtClean="0"/>
-              <a:t>7/29/2019</a:t>
+              <a:t>7/30/2019</a:t>
             </a:fld>
             <a:endParaRPr lang="en-US"/>
           </a:p>
@@ -8462,7 +8462,7 @@
           <a:p>
             <a:fld id="{207AA94B-B260-453C-A0A0-1638B254BB46}" type="datetimeFigureOut">
               <a:rPr lang="en-US" smtClean="0"/>
-              <a:t>7/29/2019</a:t>
+              <a:t>7/30/2019</a:t>
             </a:fld>
             <a:endParaRPr lang="en-US"/>
           </a:p>
@@ -8846,7 +8846,7 @@
           <a:p>
             <a:fld id="{207AA94B-B260-453C-A0A0-1638B254BB46}" type="datetimeFigureOut">
               <a:rPr lang="en-US" smtClean="0"/>
-              <a:t>7/29/2019</a:t>
+              <a:t>7/30/2019</a:t>
             </a:fld>
             <a:endParaRPr lang="en-US"/>
           </a:p>
@@ -8967,7 +8967,7 @@
           <a:p>
             <a:fld id="{207AA94B-B260-453C-A0A0-1638B254BB46}" type="datetimeFigureOut">
               <a:rPr lang="en-US" smtClean="0"/>
-              <a:t>7/29/2019</a:t>
+              <a:t>7/30/2019</a:t>
             </a:fld>
             <a:endParaRPr lang="en-US"/>
           </a:p>
@@ -9065,7 +9065,7 @@
           <a:p>
             <a:fld id="{207AA94B-B260-453C-A0A0-1638B254BB46}" type="datetimeFigureOut">
               <a:rPr lang="en-US" smtClean="0"/>
-              <a:t>7/29/2019</a:t>
+              <a:t>7/30/2019</a:t>
             </a:fld>
             <a:endParaRPr lang="en-US"/>
           </a:p>
@@ -9317,7 +9317,7 @@
           <a:p>
             <a:fld id="{207AA94B-B260-453C-A0A0-1638B254BB46}" type="datetimeFigureOut">
               <a:rPr lang="en-US" smtClean="0"/>
-              <a:t>7/29/2019</a:t>
+              <a:t>7/30/2019</a:t>
             </a:fld>
             <a:endParaRPr lang="en-US"/>
           </a:p>
@@ -9600,7 +9600,7 @@
           <a:p>
             <a:fld id="{207AA94B-B260-453C-A0A0-1638B254BB46}" type="datetimeFigureOut">
               <a:rPr lang="en-US" smtClean="0"/>
-              <a:t>7/29/2019</a:t>
+              <a:t>7/30/2019</a:t>
             </a:fld>
             <a:endParaRPr lang="en-US"/>
           </a:p>
@@ -9726,7 +9726,7 @@
           <a:noFill/>
           <a:extLst>
             <a:ext uri="{909E8E84-426E-40dd-AFC4-6F175D3DCCD1}">
-              <a14:hiddenFill xmlns:a14="http://schemas.microsoft.com/office/drawing/2010/main" xmlns="">
+              <a14:hiddenFill xmlns="" xmlns:a14="http://schemas.microsoft.com/office/drawing/2010/main">
                 <a:solidFill>
                   <a:srgbClr val="FFFFFF"/>
                 </a:solidFill>
@@ -9800,7 +9800,7 @@
               </a:ln>
               <a:extLst>
                 <a:ext uri="{91240B29-F687-4f45-9708-019B960494DF}">
-                  <a14:hiddenLine xmlns:a14="http://schemas.microsoft.com/office/drawing/2010/main" xmlns="" w="9525">
+                  <a14:hiddenLine xmlns="" xmlns:a14="http://schemas.microsoft.com/office/drawing/2010/main" w="9525">
                     <a:solidFill>
                       <a:srgbClr val="000000"/>
                     </a:solidFill>
@@ -9890,7 +9890,7 @@
               </a:ln>
               <a:extLst>
                 <a:ext uri="{91240B29-F687-4f45-9708-019B960494DF}">
-                  <a14:hiddenLine xmlns:a14="http://schemas.microsoft.com/office/drawing/2010/main" xmlns="" w="9525">
+                  <a14:hiddenLine xmlns="" xmlns:a14="http://schemas.microsoft.com/office/drawing/2010/main" w="9525">
                     <a:solidFill>
                       <a:srgbClr val="000000"/>
                     </a:solidFill>
@@ -9980,7 +9980,7 @@
               </a:ln>
               <a:extLst>
                 <a:ext uri="{91240B29-F687-4f45-9708-019B960494DF}">
-                  <a14:hiddenLine xmlns:a14="http://schemas.microsoft.com/office/drawing/2010/main" xmlns="" w="9525">
+                  <a14:hiddenLine xmlns="" xmlns:a14="http://schemas.microsoft.com/office/drawing/2010/main" w="9525">
                     <a:solidFill>
                       <a:srgbClr val="000000"/>
                     </a:solidFill>
@@ -10042,7 +10042,7 @@
               </a:ln>
               <a:extLst>
                 <a:ext uri="{91240B29-F687-4f45-9708-019B960494DF}">
-                  <a14:hiddenLine xmlns:a14="http://schemas.microsoft.com/office/drawing/2010/main" xmlns="" w="9525">
+                  <a14:hiddenLine xmlns="" xmlns:a14="http://schemas.microsoft.com/office/drawing/2010/main" w="9525">
                     <a:solidFill>
                       <a:srgbClr val="000000"/>
                     </a:solidFill>
@@ -10132,7 +10132,7 @@
               </a:ln>
               <a:extLst>
                 <a:ext uri="{91240B29-F687-4f45-9708-019B960494DF}">
-                  <a14:hiddenLine xmlns:a14="http://schemas.microsoft.com/office/drawing/2010/main" xmlns="" w="9525">
+                  <a14:hiddenLine xmlns="" xmlns:a14="http://schemas.microsoft.com/office/drawing/2010/main" w="9525">
                     <a:solidFill>
                       <a:srgbClr val="000000"/>
                     </a:solidFill>
@@ -10194,7 +10194,7 @@
               </a:ln>
               <a:extLst>
                 <a:ext uri="{91240B29-F687-4f45-9708-019B960494DF}">
-                  <a14:hiddenLine xmlns:a14="http://schemas.microsoft.com/office/drawing/2010/main" xmlns="" w="9525">
+                  <a14:hiddenLine xmlns="" xmlns:a14="http://schemas.microsoft.com/office/drawing/2010/main" w="9525">
                     <a:solidFill>
                       <a:srgbClr val="000000"/>
                     </a:solidFill>
@@ -10256,7 +10256,7 @@
               </a:ln>
               <a:extLst>
                 <a:ext uri="{91240B29-F687-4f45-9708-019B960494DF}">
-                  <a14:hiddenLine xmlns:a14="http://schemas.microsoft.com/office/drawing/2010/main" xmlns="" w="9525">
+                  <a14:hiddenLine xmlns="" xmlns:a14="http://schemas.microsoft.com/office/drawing/2010/main" w="9525">
                     <a:solidFill>
                       <a:srgbClr val="000000"/>
                     </a:solidFill>
@@ -10346,7 +10346,7 @@
               </a:ln>
               <a:extLst>
                 <a:ext uri="{91240B29-F687-4f45-9708-019B960494DF}">
-                  <a14:hiddenLine xmlns:a14="http://schemas.microsoft.com/office/drawing/2010/main" xmlns="" w="9525">
+                  <a14:hiddenLine xmlns="" xmlns:a14="http://schemas.microsoft.com/office/drawing/2010/main" w="9525">
                     <a:solidFill>
                       <a:srgbClr val="000000"/>
                     </a:solidFill>
@@ -10436,7 +10436,7 @@
               </a:ln>
               <a:extLst>
                 <a:ext uri="{91240B29-F687-4f45-9708-019B960494DF}">
-                  <a14:hiddenLine xmlns:a14="http://schemas.microsoft.com/office/drawing/2010/main" xmlns="" w="9525">
+                  <a14:hiddenLine xmlns="" xmlns:a14="http://schemas.microsoft.com/office/drawing/2010/main" w="9525">
                     <a:solidFill>
                       <a:srgbClr val="000000"/>
                     </a:solidFill>
@@ -10498,7 +10498,7 @@
               </a:ln>
               <a:extLst>
                 <a:ext uri="{91240B29-F687-4f45-9708-019B960494DF}">
-                  <a14:hiddenLine xmlns:a14="http://schemas.microsoft.com/office/drawing/2010/main" xmlns="" w="9525">
+                  <a14:hiddenLine xmlns="" xmlns:a14="http://schemas.microsoft.com/office/drawing/2010/main" w="9525">
                     <a:solidFill>
                       <a:srgbClr val="000000"/>
                     </a:solidFill>
@@ -10608,7 +10608,7 @@
               </a:ln>
               <a:extLst>
                 <a:ext uri="{91240B29-F687-4f45-9708-019B960494DF}">
-                  <a14:hiddenLine xmlns:a14="http://schemas.microsoft.com/office/drawing/2010/main" xmlns="" w="9525">
+                  <a14:hiddenLine xmlns="" xmlns:a14="http://schemas.microsoft.com/office/drawing/2010/main" w="9525">
                     <a:solidFill>
                       <a:srgbClr val="000000"/>
                     </a:solidFill>
@@ -10692,7 +10692,7 @@
               </a:ln>
               <a:extLst>
                 <a:ext uri="{91240B29-F687-4f45-9708-019B960494DF}">
-                  <a14:hiddenLine xmlns:a14="http://schemas.microsoft.com/office/drawing/2010/main" xmlns="" w="9525">
+                  <a14:hiddenLine xmlns="" xmlns:a14="http://schemas.microsoft.com/office/drawing/2010/main" w="9525">
                     <a:solidFill>
                       <a:srgbClr val="000000"/>
                     </a:solidFill>
@@ -10754,7 +10754,7 @@
               </a:ln>
               <a:extLst>
                 <a:ext uri="{91240B29-F687-4f45-9708-019B960494DF}">
-                  <a14:hiddenLine xmlns:a14="http://schemas.microsoft.com/office/drawing/2010/main" xmlns="" w="9525">
+                  <a14:hiddenLine xmlns="" xmlns:a14="http://schemas.microsoft.com/office/drawing/2010/main" w="9525">
                     <a:solidFill>
                       <a:srgbClr val="000000"/>
                     </a:solidFill>
@@ -10816,7 +10816,7 @@
               </a:ln>
               <a:extLst>
                 <a:ext uri="{91240B29-F687-4f45-9708-019B960494DF}">
-                  <a14:hiddenLine xmlns:a14="http://schemas.microsoft.com/office/drawing/2010/main" xmlns="" w="9525">
+                  <a14:hiddenLine xmlns="" xmlns:a14="http://schemas.microsoft.com/office/drawing/2010/main" w="9525">
                     <a:solidFill>
                       <a:srgbClr val="000000"/>
                     </a:solidFill>
@@ -10906,7 +10906,7 @@
               </a:ln>
               <a:extLst>
                 <a:ext uri="{91240B29-F687-4f45-9708-019B960494DF}">
-                  <a14:hiddenLine xmlns:a14="http://schemas.microsoft.com/office/drawing/2010/main" xmlns="" w="9525">
+                  <a14:hiddenLine xmlns="" xmlns:a14="http://schemas.microsoft.com/office/drawing/2010/main" w="9525">
                     <a:solidFill>
                       <a:srgbClr val="000000"/>
                     </a:solidFill>
@@ -10940,7 +10940,7 @@
               </a:ln>
               <a:extLst>
                 <a:ext uri="{91240B29-F687-4f45-9708-019B960494DF}">
-                  <a14:hiddenLine xmlns:a14="http://schemas.microsoft.com/office/drawing/2010/main" xmlns="" w="9525">
+                  <a14:hiddenLine xmlns="" xmlns:a14="http://schemas.microsoft.com/office/drawing/2010/main" w="9525">
                     <a:solidFill>
                       <a:srgbClr val="000000"/>
                     </a:solidFill>
@@ -11005,7 +11005,7 @@
               </a:ln>
               <a:extLst>
                 <a:ext uri="{91240B29-F687-4f45-9708-019B960494DF}">
-                  <a14:hiddenLine xmlns:a14="http://schemas.microsoft.com/office/drawing/2010/main" xmlns="" w="9525">
+                  <a14:hiddenLine xmlns="" xmlns:a14="http://schemas.microsoft.com/office/drawing/2010/main" w="9525">
                     <a:solidFill>
                       <a:srgbClr val="000000"/>
                     </a:solidFill>
@@ -11095,7 +11095,7 @@
               </a:ln>
               <a:extLst>
                 <a:ext uri="{91240B29-F687-4f45-9708-019B960494DF}">
-                  <a14:hiddenLine xmlns:a14="http://schemas.microsoft.com/office/drawing/2010/main" xmlns="" w="9525">
+                  <a14:hiddenLine xmlns="" xmlns:a14="http://schemas.microsoft.com/office/drawing/2010/main" w="9525">
                     <a:solidFill>
                       <a:srgbClr val="000000"/>
                     </a:solidFill>
@@ -11157,7 +11157,7 @@
               </a:ln>
               <a:extLst>
                 <a:ext uri="{91240B29-F687-4f45-9708-019B960494DF}">
-                  <a14:hiddenLine xmlns:a14="http://schemas.microsoft.com/office/drawing/2010/main" xmlns="" w="9525">
+                  <a14:hiddenLine xmlns="" xmlns:a14="http://schemas.microsoft.com/office/drawing/2010/main" w="9525">
                     <a:solidFill>
                       <a:srgbClr val="000000"/>
                     </a:solidFill>
@@ -11247,7 +11247,7 @@
               </a:ln>
               <a:extLst>
                 <a:ext uri="{91240B29-F687-4f45-9708-019B960494DF}">
-                  <a14:hiddenLine xmlns:a14="http://schemas.microsoft.com/office/drawing/2010/main" xmlns="" w="9525">
+                  <a14:hiddenLine xmlns="" xmlns:a14="http://schemas.microsoft.com/office/drawing/2010/main" w="9525">
                     <a:solidFill>
                       <a:srgbClr val="000000"/>
                     </a:solidFill>
@@ -11312,7 +11312,7 @@
               </a:ln>
               <a:extLst>
                 <a:ext uri="{91240B29-F687-4f45-9708-019B960494DF}">
-                  <a14:hiddenLine xmlns:a14="http://schemas.microsoft.com/office/drawing/2010/main" xmlns="" w="9525">
+                  <a14:hiddenLine xmlns="" xmlns:a14="http://schemas.microsoft.com/office/drawing/2010/main" w="9525">
                     <a:solidFill>
                       <a:srgbClr val="000000"/>
                     </a:solidFill>
@@ -11374,7 +11374,7 @@
               </a:ln>
               <a:extLst>
                 <a:ext uri="{91240B29-F687-4f45-9708-019B960494DF}">
-                  <a14:hiddenLine xmlns:a14="http://schemas.microsoft.com/office/drawing/2010/main" xmlns="" w="9525">
+                  <a14:hiddenLine xmlns="" xmlns:a14="http://schemas.microsoft.com/office/drawing/2010/main" w="9525">
                     <a:solidFill>
                       <a:srgbClr val="000000"/>
                     </a:solidFill>
@@ -11464,7 +11464,7 @@
               </a:ln>
               <a:extLst>
                 <a:ext uri="{91240B29-F687-4f45-9708-019B960494DF}">
-                  <a14:hiddenLine xmlns:a14="http://schemas.microsoft.com/office/drawing/2010/main" xmlns="" w="9525">
+                  <a14:hiddenLine xmlns="" xmlns:a14="http://schemas.microsoft.com/office/drawing/2010/main" w="9525">
                     <a:solidFill>
                       <a:srgbClr val="000000"/>
                     </a:solidFill>
@@ -11554,7 +11554,7 @@
               </a:ln>
               <a:extLst>
                 <a:ext uri="{91240B29-F687-4f45-9708-019B960494DF}">
-                  <a14:hiddenLine xmlns:a14="http://schemas.microsoft.com/office/drawing/2010/main" xmlns="" w="9525">
+                  <a14:hiddenLine xmlns="" xmlns:a14="http://schemas.microsoft.com/office/drawing/2010/main" w="9525">
                     <a:solidFill>
                       <a:srgbClr val="000000"/>
                     </a:solidFill>
@@ -11619,7 +11619,7 @@
               </a:ln>
               <a:extLst>
                 <a:ext uri="{91240B29-F687-4f45-9708-019B960494DF}">
-                  <a14:hiddenLine xmlns:a14="http://schemas.microsoft.com/office/drawing/2010/main" xmlns="" w="9525">
+                  <a14:hiddenLine xmlns="" xmlns:a14="http://schemas.microsoft.com/office/drawing/2010/main" w="9525">
                     <a:solidFill>
                       <a:srgbClr val="000000"/>
                     </a:solidFill>
@@ -11739,7 +11739,7 @@
               </a:ln>
               <a:extLst>
                 <a:ext uri="{91240B29-F687-4f45-9708-019B960494DF}">
-                  <a14:hiddenLine xmlns:a14="http://schemas.microsoft.com/office/drawing/2010/main" xmlns="" w="9525">
+                  <a14:hiddenLine xmlns="" xmlns:a14="http://schemas.microsoft.com/office/drawing/2010/main" w="9525">
                     <a:solidFill>
                       <a:srgbClr val="000000"/>
                     </a:solidFill>
@@ -11820,7 +11820,7 @@
               </a:ln>
               <a:extLst>
                 <a:ext uri="{91240B29-F687-4f45-9708-019B960494DF}">
-                  <a14:hiddenLine xmlns:a14="http://schemas.microsoft.com/office/drawing/2010/main" xmlns="" w="9525">
+                  <a14:hiddenLine xmlns="" xmlns:a14="http://schemas.microsoft.com/office/drawing/2010/main" w="9525">
                     <a:solidFill>
                       <a:srgbClr val="000000"/>
                     </a:solidFill>
@@ -11935,7 +11935,7 @@
               </a:ln>
               <a:extLst>
                 <a:ext uri="{91240B29-F687-4f45-9708-019B960494DF}">
-                  <a14:hiddenLine xmlns:a14="http://schemas.microsoft.com/office/drawing/2010/main" xmlns="" w="9525">
+                  <a14:hiddenLine xmlns="" xmlns:a14="http://schemas.microsoft.com/office/drawing/2010/main" w="9525">
                     <a:solidFill>
                       <a:srgbClr val="000000"/>
                     </a:solidFill>
@@ -12025,7 +12025,7 @@
               </a:ln>
               <a:extLst>
                 <a:ext uri="{91240B29-F687-4f45-9708-019B960494DF}">
-                  <a14:hiddenLine xmlns:a14="http://schemas.microsoft.com/office/drawing/2010/main" xmlns="" w="9525">
+                  <a14:hiddenLine xmlns="" xmlns:a14="http://schemas.microsoft.com/office/drawing/2010/main" w="9525">
                     <a:solidFill>
                       <a:srgbClr val="000000"/>
                     </a:solidFill>
@@ -12090,7 +12090,7 @@
               </a:ln>
               <a:extLst>
                 <a:ext uri="{91240B29-F687-4f45-9708-019B960494DF}">
-                  <a14:hiddenLine xmlns:a14="http://schemas.microsoft.com/office/drawing/2010/main" xmlns="" w="9525">
+                  <a14:hiddenLine xmlns="" xmlns:a14="http://schemas.microsoft.com/office/drawing/2010/main" w="9525">
                     <a:solidFill>
                       <a:srgbClr val="000000"/>
                     </a:solidFill>
@@ -12180,7 +12180,7 @@
               </a:ln>
               <a:extLst>
                 <a:ext uri="{91240B29-F687-4f45-9708-019B960494DF}">
-                  <a14:hiddenLine xmlns:a14="http://schemas.microsoft.com/office/drawing/2010/main" xmlns="" w="9525">
+                  <a14:hiddenLine xmlns="" xmlns:a14="http://schemas.microsoft.com/office/drawing/2010/main" w="9525">
                     <a:solidFill>
                       <a:srgbClr val="000000"/>
                     </a:solidFill>
@@ -12248,7 +12248,7 @@
               </a:ln>
               <a:extLst>
                 <a:ext uri="{91240B29-F687-4f45-9708-019B960494DF}">
-                  <a14:hiddenLine xmlns:a14="http://schemas.microsoft.com/office/drawing/2010/main" xmlns="" w="9525">
+                  <a14:hiddenLine xmlns="" xmlns:a14="http://schemas.microsoft.com/office/drawing/2010/main" w="9525">
                     <a:solidFill>
                       <a:srgbClr val="000000"/>
                     </a:solidFill>
@@ -12338,7 +12338,7 @@
               </a:ln>
               <a:extLst>
                 <a:ext uri="{91240B29-F687-4f45-9708-019B960494DF}">
-                  <a14:hiddenLine xmlns:a14="http://schemas.microsoft.com/office/drawing/2010/main" xmlns="" w="9525">
+                  <a14:hiddenLine xmlns="" xmlns:a14="http://schemas.microsoft.com/office/drawing/2010/main" w="9525">
                     <a:solidFill>
                       <a:srgbClr val="000000"/>
                     </a:solidFill>
@@ -12406,7 +12406,7 @@
               </a:ln>
               <a:extLst>
                 <a:ext uri="{91240B29-F687-4f45-9708-019B960494DF}">
-                  <a14:hiddenLine xmlns:a14="http://schemas.microsoft.com/office/drawing/2010/main" xmlns="" w="9525">
+                  <a14:hiddenLine xmlns="" xmlns:a14="http://schemas.microsoft.com/office/drawing/2010/main" w="9525">
                     <a:solidFill>
                       <a:srgbClr val="000000"/>
                     </a:solidFill>
@@ -12496,7 +12496,7 @@
               </a:ln>
               <a:extLst>
                 <a:ext uri="{91240B29-F687-4f45-9708-019B960494DF}">
-                  <a14:hiddenLine xmlns:a14="http://schemas.microsoft.com/office/drawing/2010/main" xmlns="" w="9525">
+                  <a14:hiddenLine xmlns="" xmlns:a14="http://schemas.microsoft.com/office/drawing/2010/main" w="9525">
                     <a:solidFill>
                       <a:srgbClr val="000000"/>
                     </a:solidFill>
@@ -12530,7 +12530,7 @@
               </a:ln>
               <a:extLst>
                 <a:ext uri="{91240B29-F687-4f45-9708-019B960494DF}">
-                  <a14:hiddenLine xmlns:a14="http://schemas.microsoft.com/office/drawing/2010/main" xmlns="" w="9525">
+                  <a14:hiddenLine xmlns="" xmlns:a14="http://schemas.microsoft.com/office/drawing/2010/main" w="9525">
                     <a:solidFill>
                       <a:srgbClr val="000000"/>
                     </a:solidFill>
@@ -12670,7 +12670,7 @@
           <a:p>
             <a:fld id="{207AA94B-B260-453C-A0A0-1638B254BB46}" type="datetimeFigureOut">
               <a:rPr lang="en-US" smtClean="0"/>
-              <a:t>7/29/2019</a:t>
+              <a:t>7/30/2019</a:t>
             </a:fld>
             <a:endParaRPr lang="en-US"/>
           </a:p>
@@ -13138,14 +13138,63 @@
             <p:ph type="subTitle" idx="1"/>
           </p:nvPr>
         </p:nvSpPr>
-        <p:spPr/>
+        <p:spPr>
+          <a:xfrm>
+            <a:off x="1876424" y="3602037"/>
+            <a:ext cx="8791575" cy="2084659"/>
+          </a:xfrm>
+        </p:spPr>
         <p:txBody>
-          <a:bodyPr/>
+          <a:bodyPr>
+            <a:normAutofit/>
+          </a:bodyPr>
           <a:lstStyle/>
           <a:p>
+            <a:pPr>
+              <a:lnSpc>
+                <a:spcPct val="100000"/>
+              </a:lnSpc>
+            </a:pPr>
             <a:r>
               <a:rPr lang="en-US" dirty="0" smtClean="0"/>
-              <a:t>Samantha Sprecace</a:t>
+              <a:t>Samantha </a:t>
+            </a:r>
+            <a:r>
+              <a:rPr lang="en-US" dirty="0" smtClean="0"/>
+              <a:t>Sprecace</a:t>
+            </a:r>
+          </a:p>
+          <a:p>
+            <a:pPr>
+              <a:lnSpc>
+                <a:spcPct val="100000"/>
+              </a:lnSpc>
+            </a:pPr>
+            <a:r>
+              <a:rPr lang="en-US" sz="1200" dirty="0" smtClean="0"/>
+              <a:t>In collaboration with</a:t>
+            </a:r>
+          </a:p>
+          <a:p>
+            <a:pPr>
+              <a:lnSpc>
+                <a:spcPct val="100000"/>
+              </a:lnSpc>
+            </a:pPr>
+            <a:r>
+              <a:rPr lang="en-US" dirty="0" smtClean="0"/>
+              <a:t>Michael Morrison</a:t>
+            </a:r>
+          </a:p>
+          <a:p>
+            <a:pPr>
+              <a:lnSpc>
+                <a:spcPct val="100000"/>
+              </a:lnSpc>
+            </a:pPr>
+            <a:r>
+              <a:rPr lang="en-US" dirty="0" smtClean="0"/>
+              <a:t>Benjamin Volk</a:t>
             </a:r>
             <a:endParaRPr lang="en-US" dirty="0"/>
           </a:p>
@@ -13242,11 +13291,7 @@
           <a:p>
             <a:r>
               <a:rPr lang="en-US" dirty="0" smtClean="0"/>
-              <a:t>Overview		</a:t>
-            </a:r>
-            <a:r>
-              <a:rPr lang="en-US" dirty="0" smtClean="0"/>
-              <a:t>			</a:t>
+              <a:t>Overview					</a:t>
             </a:r>
             <a:r>
               <a:rPr lang="en-US" dirty="0" smtClean="0">
